--- a/Cricket Players Performance System.pptx
+++ b/Cricket Players Performance System.pptx
@@ -6,6 +6,22 @@
   </p:sldMasterIdLst>
   <p:sldIdLst>
     <p:sldId id="256" r:id="rId2"/>
+    <p:sldId id="257" r:id="rId3"/>
+    <p:sldId id="259" r:id="rId4"/>
+    <p:sldId id="273" r:id="rId5"/>
+    <p:sldId id="266" r:id="rId6"/>
+    <p:sldId id="261" r:id="rId7"/>
+    <p:sldId id="262" r:id="rId8"/>
+    <p:sldId id="263" r:id="rId9"/>
+    <p:sldId id="264" r:id="rId10"/>
+    <p:sldId id="274" r:id="rId11"/>
+    <p:sldId id="265" r:id="rId12"/>
+    <p:sldId id="270" r:id="rId13"/>
+    <p:sldId id="271" r:id="rId14"/>
+    <p:sldId id="267" r:id="rId15"/>
+    <p:sldId id="268" r:id="rId16"/>
+    <p:sldId id="269" r:id="rId17"/>
+    <p:sldId id="272" r:id="rId18"/>
   </p:sldIdLst>
   <p:sldSz cx="12192000" cy="6858000"/>
   <p:notesSz cx="6858000" cy="9144000"/>
@@ -104,6 +120,11 @@
       </a:defRPr>
     </a:lvl9pPr>
   </p:defaultTextStyle>
+  <p:extLst>
+    <p:ext uri="{EFAFB233-063F-42B5-8137-9DF3F51BA10A}">
+      <p15:sldGuideLst xmlns:p15="http://schemas.microsoft.com/office/powerpoint/2012/main"/>
+    </p:ext>
+  </p:extLst>
 </p:presentation>
 </file>
 
@@ -610,7 +631,7 @@
             <a:fld id="{B61BEF0D-F0BB-DE4B-95CE-6DB70DBA9567}" type="datetimeFigureOut">
               <a:rPr lang="en-US" smtClean="0"/>
               <a:pPr/>
-              <a:t>9/25/2019</a:t>
+              <a:t>9/26/2019</a:t>
             </a:fld>
             <a:endParaRPr lang="en-US" dirty="0"/>
           </a:p>
@@ -908,7 +929,7 @@
             <a:fld id="{B61BEF0D-F0BB-DE4B-95CE-6DB70DBA9567}" type="datetimeFigureOut">
               <a:rPr lang="en-US" smtClean="0"/>
               <a:pPr/>
-              <a:t>9/25/2019</a:t>
+              <a:t>9/26/2019</a:t>
             </a:fld>
             <a:endParaRPr lang="en-US" dirty="0"/>
           </a:p>
@@ -1158,7 +1179,7 @@
             <a:fld id="{B61BEF0D-F0BB-DE4B-95CE-6DB70DBA9567}" type="datetimeFigureOut">
               <a:rPr lang="en-US" smtClean="0"/>
               <a:pPr/>
-              <a:t>9/25/2019</a:t>
+              <a:t>9/26/2019</a:t>
             </a:fld>
             <a:endParaRPr lang="en-US" dirty="0"/>
           </a:p>
@@ -1700,7 +1721,7 @@
             <a:fld id="{B61BEF0D-F0BB-DE4B-95CE-6DB70DBA9567}" type="datetimeFigureOut">
               <a:rPr lang="en-US" smtClean="0"/>
               <a:pPr/>
-              <a:t>9/25/2019</a:t>
+              <a:t>9/26/2019</a:t>
             </a:fld>
             <a:endParaRPr lang="en-US" dirty="0"/>
           </a:p>
@@ -1950,7 +1971,7 @@
             <a:fld id="{B61BEF0D-F0BB-DE4B-95CE-6DB70DBA9567}" type="datetimeFigureOut">
               <a:rPr lang="en-US" smtClean="0"/>
               <a:pPr/>
-              <a:t>9/25/2019</a:t>
+              <a:t>9/26/2019</a:t>
             </a:fld>
             <a:endParaRPr lang="en-US" dirty="0"/>
           </a:p>
@@ -2484,7 +2505,7 @@
             <a:fld id="{B61BEF0D-F0BB-DE4B-95CE-6DB70DBA9567}" type="datetimeFigureOut">
               <a:rPr lang="en-US" smtClean="0"/>
               <a:pPr/>
-              <a:t>9/25/2019</a:t>
+              <a:t>9/26/2019</a:t>
             </a:fld>
             <a:endParaRPr lang="en-US" dirty="0"/>
           </a:p>
@@ -2783,7 +2804,7 @@
             <a:fld id="{B61BEF0D-F0BB-DE4B-95CE-6DB70DBA9567}" type="datetimeFigureOut">
               <a:rPr lang="en-US" smtClean="0"/>
               <a:pPr/>
-              <a:t>9/25/2019</a:t>
+              <a:t>9/26/2019</a:t>
             </a:fld>
             <a:endParaRPr lang="en-US" dirty="0"/>
           </a:p>
@@ -2958,7 +2979,7 @@
           <a:p>
             <a:fld id="{55C6B4A9-1611-4792-9094-5F34BCA07E0B}" type="datetimeFigureOut">
               <a:rPr lang="en-US" smtClean="0"/>
-              <a:t>9/25/2019</a:t>
+              <a:t>9/26/2019</a:t>
             </a:fld>
             <a:endParaRPr lang="en-US" dirty="0"/>
           </a:p>
@@ -3139,7 +3160,7 @@
             <a:fld id="{B61BEF0D-F0BB-DE4B-95CE-6DB70DBA9567}" type="datetimeFigureOut">
               <a:rPr lang="en-US" smtClean="0"/>
               <a:pPr/>
-              <a:t>9/25/2019</a:t>
+              <a:t>9/26/2019</a:t>
             </a:fld>
             <a:endParaRPr lang="en-US" dirty="0"/>
           </a:p>
@@ -3310,7 +3331,7 @@
           <a:p>
             <a:fld id="{42A54C80-263E-416B-A8E0-580EDEADCBDC}" type="datetimeFigureOut">
               <a:rPr lang="en-US" smtClean="0"/>
-              <a:t>9/25/2019</a:t>
+              <a:t>9/26/2019</a:t>
             </a:fld>
             <a:endParaRPr lang="en-US" dirty="0"/>
           </a:p>
@@ -3562,7 +3583,7 @@
             <a:fld id="{B61BEF0D-F0BB-DE4B-95CE-6DB70DBA9567}" type="datetimeFigureOut">
               <a:rPr lang="en-US" smtClean="0"/>
               <a:pPr/>
-              <a:t>9/25/2019</a:t>
+              <a:t>9/26/2019</a:t>
             </a:fld>
             <a:endParaRPr lang="en-US" dirty="0"/>
           </a:p>
@@ -3860,7 +3881,7 @@
           <a:p>
             <a:fld id="{42A54C80-263E-416B-A8E0-580EDEADCBDC}" type="datetimeFigureOut">
               <a:rPr lang="en-US" smtClean="0"/>
-              <a:t>9/25/2019</a:t>
+              <a:t>9/26/2019</a:t>
             </a:fld>
             <a:endParaRPr lang="en-US" dirty="0"/>
           </a:p>
@@ -4303,7 +4324,7 @@
             <a:fld id="{B61BEF0D-F0BB-DE4B-95CE-6DB70DBA9567}" type="datetimeFigureOut">
               <a:rPr lang="en-US" smtClean="0"/>
               <a:pPr/>
-              <a:t>9/25/2019</a:t>
+              <a:t>9/26/2019</a:t>
             </a:fld>
             <a:endParaRPr lang="en-US" dirty="0"/>
           </a:p>
@@ -4423,7 +4444,7 @@
             <a:fld id="{B61BEF0D-F0BB-DE4B-95CE-6DB70DBA9567}" type="datetimeFigureOut">
               <a:rPr lang="en-US" smtClean="0"/>
               <a:pPr/>
-              <a:t>9/25/2019</a:t>
+              <a:t>9/26/2019</a:t>
             </a:fld>
             <a:endParaRPr lang="en-US" dirty="0"/>
           </a:p>
@@ -4520,7 +4541,7 @@
             <a:fld id="{B61BEF0D-F0BB-DE4B-95CE-6DB70DBA9567}" type="datetimeFigureOut">
               <a:rPr lang="en-US" smtClean="0"/>
               <a:pPr/>
-              <a:t>9/25/2019</a:t>
+              <a:t>9/26/2019</a:t>
             </a:fld>
             <a:endParaRPr lang="en-US" dirty="0"/>
           </a:p>
@@ -4804,7 +4825,7 @@
           <a:p>
             <a:fld id="{42A54C80-263E-416B-A8E0-580EDEADCBDC}" type="datetimeFigureOut">
               <a:rPr lang="en-US" smtClean="0"/>
-              <a:t>9/25/2019</a:t>
+              <a:t>9/26/2019</a:t>
             </a:fld>
             <a:endParaRPr lang="en-US" dirty="0"/>
           </a:p>
@@ -5096,7 +5117,7 @@
             <a:fld id="{B61BEF0D-F0BB-DE4B-95CE-6DB70DBA9567}" type="datetimeFigureOut">
               <a:rPr lang="en-US" smtClean="0"/>
               <a:pPr/>
-              <a:t>9/25/2019</a:t>
+              <a:t>9/26/2019</a:t>
             </a:fld>
             <a:endParaRPr lang="en-US" dirty="0"/>
           </a:p>
@@ -5628,7 +5649,7 @@
             <a:fld id="{B61BEF0D-F0BB-DE4B-95CE-6DB70DBA9567}" type="datetimeFigureOut">
               <a:rPr lang="en-US" smtClean="0"/>
               <a:pPr/>
-              <a:t>9/25/2019</a:t>
+              <a:t>9/26/2019</a:t>
             </a:fld>
             <a:endParaRPr lang="en-US" dirty="0"/>
           </a:p>
@@ -6213,29 +6234,1807 @@
           </a:xfrm>
         </p:spPr>
         <p:txBody>
-          <a:bodyPr/>
+          <a:bodyPr>
+            <a:normAutofit fontScale="92500" lnSpcReduction="20000"/>
+          </a:bodyPr>
           <a:lstStyle/>
           <a:p>
-            <a:r>
-              <a:rPr lang="en-US" sz="2400" dirty="0" smtClean="0"/>
-              <a:t>BY </a:t>
-            </a:r>
-          </a:p>
-          <a:p>
-            <a:r>
-              <a:rPr lang="en-US" sz="2400" dirty="0" smtClean="0"/>
+            <a:endParaRPr lang="en-US" sz="2400" dirty="0" smtClean="0"/>
+          </a:p>
+          <a:p>
+            <a:r>
+              <a:rPr lang="en-US" sz="2800" dirty="0" smtClean="0">
+                <a:latin typeface="Times New Roman" panose="02020603050405020304" pitchFamily="18" charset="0"/>
+                <a:cs typeface="Times New Roman" panose="02020603050405020304" pitchFamily="18" charset="0"/>
+              </a:rPr>
               <a:t>HEMA MADHURI JANAPAMULA</a:t>
             </a:r>
           </a:p>
           <a:p>
-            <a:endParaRPr lang="en-IN" dirty="0"/>
-          </a:p>
-        </p:txBody>
-      </p:sp>
+            <a:r>
+              <a:rPr lang="en-US" sz="2800" dirty="0" smtClean="0">
+                <a:latin typeface="Times New Roman" panose="02020603050405020304" pitchFamily="18" charset="0"/>
+                <a:cs typeface="Times New Roman" panose="02020603050405020304" pitchFamily="18" charset="0"/>
+              </a:rPr>
+              <a:t>189665</a:t>
+            </a:r>
+            <a:endParaRPr lang="en-IN" sz="2800" dirty="0">
+              <a:latin typeface="Times New Roman" panose="02020603050405020304" pitchFamily="18" charset="0"/>
+              <a:cs typeface="Times New Roman" panose="02020603050405020304" pitchFamily="18" charset="0"/>
+            </a:endParaRPr>
+          </a:p>
+        </p:txBody>
+      </p:sp>
+      <p:pic>
+        <p:nvPicPr>
+          <p:cNvPr id="5" name="Picture 4"/>
+          <p:cNvPicPr>
+            <a:picLocks noChangeAspect="1"/>
+          </p:cNvPicPr>
+          <p:nvPr/>
+        </p:nvPicPr>
+        <p:blipFill>
+          <a:blip r:embed="rId2"/>
+          <a:stretch>
+            <a:fillRect/>
+          </a:stretch>
+        </p:blipFill>
+        <p:spPr>
+          <a:xfrm>
+            <a:off x="0" y="0"/>
+            <a:ext cx="3333750" cy="3333750"/>
+          </a:xfrm>
+          <a:prstGeom prst="rect">
+            <a:avLst/>
+          </a:prstGeom>
+        </p:spPr>
+      </p:pic>
     </p:spTree>
     <p:extLst>
       <p:ext uri="{BB962C8B-B14F-4D97-AF65-F5344CB8AC3E}">
         <p14:creationId xmlns:p14="http://schemas.microsoft.com/office/powerpoint/2010/main" val="553241907"/>
+      </p:ext>
+    </p:extLst>
+  </p:cSld>
+  <p:clrMapOvr>
+    <a:masterClrMapping/>
+  </p:clrMapOvr>
+</p:sld>
+</file>
+
+<file path=ppt/slides/slide10.xml><?xml version="1.0" encoding="utf-8"?>
+<p:sld xmlns:a="http://schemas.openxmlformats.org/drawingml/2006/main" xmlns:r="http://schemas.openxmlformats.org/officeDocument/2006/relationships" xmlns:p="http://schemas.openxmlformats.org/presentationml/2006/main">
+  <p:cSld>
+    <p:spTree>
+      <p:nvGrpSpPr>
+        <p:cNvPr id="1" name=""/>
+        <p:cNvGrpSpPr/>
+        <p:nvPr/>
+      </p:nvGrpSpPr>
+      <p:grpSpPr>
+        <a:xfrm>
+          <a:off x="0" y="0"/>
+          <a:ext cx="0" cy="0"/>
+          <a:chOff x="0" y="0"/>
+          <a:chExt cx="0" cy="0"/>
+        </a:xfrm>
+      </p:grpSpPr>
+      <p:sp>
+        <p:nvSpPr>
+          <p:cNvPr id="2" name="Title 1"/>
+          <p:cNvSpPr>
+            <a:spLocks noGrp="1"/>
+          </p:cNvSpPr>
+          <p:nvPr>
+            <p:ph type="title"/>
+          </p:nvPr>
+        </p:nvSpPr>
+        <p:spPr>
+          <a:xfrm>
+            <a:off x="1484311" y="685801"/>
+            <a:ext cx="10018713" cy="482600"/>
+          </a:xfrm>
+        </p:spPr>
+        <p:txBody>
+          <a:bodyPr>
+            <a:normAutofit/>
+          </a:bodyPr>
+          <a:lstStyle/>
+          <a:p>
+            <a:pPr algn="l"/>
+            <a:r>
+              <a:rPr lang="en-US" sz="2400" dirty="0" smtClean="0">
+                <a:latin typeface="Times New Roman" panose="02020603050405020304" pitchFamily="18" charset="0"/>
+                <a:cs typeface="Times New Roman" panose="02020603050405020304" pitchFamily="18" charset="0"/>
+              </a:rPr>
+              <a:t>Country dimension</a:t>
+            </a:r>
+            <a:endParaRPr lang="en-IN" sz="2400" dirty="0">
+              <a:latin typeface="Times New Roman" panose="02020603050405020304" pitchFamily="18" charset="0"/>
+              <a:cs typeface="Times New Roman" panose="02020603050405020304" pitchFamily="18" charset="0"/>
+            </a:endParaRPr>
+          </a:p>
+        </p:txBody>
+      </p:sp>
+      <p:pic>
+        <p:nvPicPr>
+          <p:cNvPr id="4" name="Content Placeholder 3"/>
+          <p:cNvPicPr>
+            <a:picLocks noGrp="1" noChangeAspect="1"/>
+          </p:cNvPicPr>
+          <p:nvPr>
+            <p:ph idx="1"/>
+          </p:nvPr>
+        </p:nvPicPr>
+        <p:blipFill>
+          <a:blip r:embed="rId2"/>
+          <a:stretch>
+            <a:fillRect/>
+          </a:stretch>
+        </p:blipFill>
+        <p:spPr>
+          <a:xfrm>
+            <a:off x="1244600" y="1663700"/>
+            <a:ext cx="10007600" cy="4064000"/>
+          </a:xfrm>
+          <a:prstGeom prst="rect">
+            <a:avLst/>
+          </a:prstGeom>
+        </p:spPr>
+      </p:pic>
+    </p:spTree>
+    <p:extLst>
+      <p:ext uri="{BB962C8B-B14F-4D97-AF65-F5344CB8AC3E}">
+        <p14:creationId xmlns:p14="http://schemas.microsoft.com/office/powerpoint/2010/main" val="1810629458"/>
+      </p:ext>
+    </p:extLst>
+  </p:cSld>
+  <p:clrMapOvr>
+    <a:masterClrMapping/>
+  </p:clrMapOvr>
+</p:sld>
+</file>
+
+<file path=ppt/slides/slide11.xml><?xml version="1.0" encoding="utf-8"?>
+<p:sld xmlns:a="http://schemas.openxmlformats.org/drawingml/2006/main" xmlns:r="http://schemas.openxmlformats.org/officeDocument/2006/relationships" xmlns:p="http://schemas.openxmlformats.org/presentationml/2006/main">
+  <p:cSld>
+    <p:spTree>
+      <p:nvGrpSpPr>
+        <p:cNvPr id="1" name=""/>
+        <p:cNvGrpSpPr/>
+        <p:nvPr/>
+      </p:nvGrpSpPr>
+      <p:grpSpPr>
+        <a:xfrm>
+          <a:off x="0" y="0"/>
+          <a:ext cx="0" cy="0"/>
+          <a:chOff x="0" y="0"/>
+          <a:chExt cx="0" cy="0"/>
+        </a:xfrm>
+      </p:grpSpPr>
+      <p:sp>
+        <p:nvSpPr>
+          <p:cNvPr id="2" name="Title 1"/>
+          <p:cNvSpPr>
+            <a:spLocks noGrp="1"/>
+          </p:cNvSpPr>
+          <p:nvPr>
+            <p:ph type="title"/>
+          </p:nvPr>
+        </p:nvSpPr>
+        <p:spPr>
+          <a:xfrm>
+            <a:off x="1315243" y="165100"/>
+            <a:ext cx="10018713" cy="1295400"/>
+          </a:xfrm>
+        </p:spPr>
+        <p:txBody>
+          <a:bodyPr>
+            <a:normAutofit fontScale="90000"/>
+          </a:bodyPr>
+          <a:lstStyle/>
+          <a:p>
+            <a:pPr algn="l"/>
+            <a:r>
+              <a:rPr lang="en-US" dirty="0" smtClean="0">
+                <a:latin typeface="Times New Roman" panose="02020603050405020304" pitchFamily="18" charset="0"/>
+                <a:cs typeface="Times New Roman" panose="02020603050405020304" pitchFamily="18" charset="0"/>
+              </a:rPr>
+              <a:t>Mapping of Fact Tables</a:t>
+            </a:r>
+            <a:r>
+              <a:rPr lang="en-US" sz="3600" dirty="0" smtClean="0">
+                <a:latin typeface="Times New Roman" panose="02020603050405020304" pitchFamily="18" charset="0"/>
+                <a:cs typeface="Times New Roman" panose="02020603050405020304" pitchFamily="18" charset="0"/>
+              </a:rPr>
+              <a:t/>
+            </a:r>
+            <a:br>
+              <a:rPr lang="en-US" sz="3600" dirty="0" smtClean="0">
+                <a:latin typeface="Times New Roman" panose="02020603050405020304" pitchFamily="18" charset="0"/>
+                <a:cs typeface="Times New Roman" panose="02020603050405020304" pitchFamily="18" charset="0"/>
+              </a:rPr>
+            </a:br>
+            <a:r>
+              <a:rPr lang="en-US" dirty="0" smtClean="0">
+                <a:latin typeface="Times New Roman" panose="02020603050405020304" pitchFamily="18" charset="0"/>
+                <a:cs typeface="Times New Roman" panose="02020603050405020304" pitchFamily="18" charset="0"/>
+              </a:rPr>
+              <a:t/>
+            </a:r>
+            <a:br>
+              <a:rPr lang="en-US" dirty="0" smtClean="0">
+                <a:latin typeface="Times New Roman" panose="02020603050405020304" pitchFamily="18" charset="0"/>
+                <a:cs typeface="Times New Roman" panose="02020603050405020304" pitchFamily="18" charset="0"/>
+              </a:rPr>
+            </a:br>
+            <a:r>
+              <a:rPr lang="en-US" sz="2700" dirty="0" smtClean="0">
+                <a:latin typeface="Times New Roman" panose="02020603050405020304" pitchFamily="18" charset="0"/>
+                <a:cs typeface="Times New Roman" panose="02020603050405020304" pitchFamily="18" charset="0"/>
+              </a:rPr>
+              <a:t>ODI fact table:</a:t>
+            </a:r>
+            <a:endParaRPr lang="en-IN" sz="2700" dirty="0">
+              <a:latin typeface="Times New Roman" panose="02020603050405020304" pitchFamily="18" charset="0"/>
+              <a:cs typeface="Times New Roman" panose="02020603050405020304" pitchFamily="18" charset="0"/>
+            </a:endParaRPr>
+          </a:p>
+        </p:txBody>
+      </p:sp>
+      <p:pic>
+        <p:nvPicPr>
+          <p:cNvPr id="6" name="Content Placeholder 5"/>
+          <p:cNvPicPr>
+            <a:picLocks noGrp="1" noChangeAspect="1"/>
+          </p:cNvPicPr>
+          <p:nvPr>
+            <p:ph idx="1"/>
+          </p:nvPr>
+        </p:nvPicPr>
+        <p:blipFill>
+          <a:blip r:embed="rId2"/>
+          <a:stretch>
+            <a:fillRect/>
+          </a:stretch>
+        </p:blipFill>
+        <p:spPr>
+          <a:xfrm>
+            <a:off x="2451100" y="1600200"/>
+            <a:ext cx="7112000" cy="5257800"/>
+          </a:xfrm>
+          <a:prstGeom prst="rect">
+            <a:avLst/>
+          </a:prstGeom>
+        </p:spPr>
+      </p:pic>
+    </p:spTree>
+    <p:extLst>
+      <p:ext uri="{BB962C8B-B14F-4D97-AF65-F5344CB8AC3E}">
+        <p14:creationId xmlns:p14="http://schemas.microsoft.com/office/powerpoint/2010/main" val="3325057533"/>
+      </p:ext>
+    </p:extLst>
+  </p:cSld>
+  <p:clrMapOvr>
+    <a:masterClrMapping/>
+  </p:clrMapOvr>
+</p:sld>
+</file>
+
+<file path=ppt/slides/slide12.xml><?xml version="1.0" encoding="utf-8"?>
+<p:sld xmlns:a="http://schemas.openxmlformats.org/drawingml/2006/main" xmlns:r="http://schemas.openxmlformats.org/officeDocument/2006/relationships" xmlns:p="http://schemas.openxmlformats.org/presentationml/2006/main">
+  <p:cSld>
+    <p:spTree>
+      <p:nvGrpSpPr>
+        <p:cNvPr id="1" name=""/>
+        <p:cNvGrpSpPr/>
+        <p:nvPr/>
+      </p:nvGrpSpPr>
+      <p:grpSpPr>
+        <a:xfrm>
+          <a:off x="0" y="0"/>
+          <a:ext cx="0" cy="0"/>
+          <a:chOff x="0" y="0"/>
+          <a:chExt cx="0" cy="0"/>
+        </a:xfrm>
+      </p:grpSpPr>
+      <p:sp>
+        <p:nvSpPr>
+          <p:cNvPr id="2" name="Title 1"/>
+          <p:cNvSpPr>
+            <a:spLocks noGrp="1"/>
+          </p:cNvSpPr>
+          <p:nvPr>
+            <p:ph type="title"/>
+          </p:nvPr>
+        </p:nvSpPr>
+        <p:spPr>
+          <a:xfrm>
+            <a:off x="1484311" y="685801"/>
+            <a:ext cx="10018713" cy="546100"/>
+          </a:xfrm>
+        </p:spPr>
+        <p:txBody>
+          <a:bodyPr>
+            <a:normAutofit/>
+          </a:bodyPr>
+          <a:lstStyle/>
+          <a:p>
+            <a:pPr algn="l"/>
+            <a:r>
+              <a:rPr lang="en-US" sz="2400" dirty="0" smtClean="0">
+                <a:latin typeface="Times New Roman" panose="02020603050405020304" pitchFamily="18" charset="0"/>
+                <a:cs typeface="Times New Roman" panose="02020603050405020304" pitchFamily="18" charset="0"/>
+              </a:rPr>
+              <a:t>Test Fact Table</a:t>
+            </a:r>
+            <a:endParaRPr lang="en-IN" sz="2400" dirty="0">
+              <a:latin typeface="Times New Roman" panose="02020603050405020304" pitchFamily="18" charset="0"/>
+              <a:cs typeface="Times New Roman" panose="02020603050405020304" pitchFamily="18" charset="0"/>
+            </a:endParaRPr>
+          </a:p>
+        </p:txBody>
+      </p:sp>
+      <p:pic>
+        <p:nvPicPr>
+          <p:cNvPr id="7" name="Picture 6"/>
+          <p:cNvPicPr>
+            <a:picLocks noChangeAspect="1"/>
+          </p:cNvPicPr>
+          <p:nvPr/>
+        </p:nvPicPr>
+        <p:blipFill>
+          <a:blip r:embed="rId2"/>
+          <a:stretch>
+            <a:fillRect/>
+          </a:stretch>
+        </p:blipFill>
+        <p:spPr>
+          <a:xfrm>
+            <a:off x="2095500" y="1346200"/>
+            <a:ext cx="8394700" cy="5511800"/>
+          </a:xfrm>
+          <a:prstGeom prst="rect">
+            <a:avLst/>
+          </a:prstGeom>
+        </p:spPr>
+      </p:pic>
+    </p:spTree>
+    <p:extLst>
+      <p:ext uri="{BB962C8B-B14F-4D97-AF65-F5344CB8AC3E}">
+        <p14:creationId xmlns:p14="http://schemas.microsoft.com/office/powerpoint/2010/main" val="1312621025"/>
+      </p:ext>
+    </p:extLst>
+  </p:cSld>
+  <p:clrMapOvr>
+    <a:masterClrMapping/>
+  </p:clrMapOvr>
+</p:sld>
+</file>
+
+<file path=ppt/slides/slide13.xml><?xml version="1.0" encoding="utf-8"?>
+<p:sld xmlns:a="http://schemas.openxmlformats.org/drawingml/2006/main" xmlns:r="http://schemas.openxmlformats.org/officeDocument/2006/relationships" xmlns:p="http://schemas.openxmlformats.org/presentationml/2006/main">
+  <p:cSld>
+    <p:spTree>
+      <p:nvGrpSpPr>
+        <p:cNvPr id="1" name=""/>
+        <p:cNvGrpSpPr/>
+        <p:nvPr/>
+      </p:nvGrpSpPr>
+      <p:grpSpPr>
+        <a:xfrm>
+          <a:off x="0" y="0"/>
+          <a:ext cx="0" cy="0"/>
+          <a:chOff x="0" y="0"/>
+          <a:chExt cx="0" cy="0"/>
+        </a:xfrm>
+      </p:grpSpPr>
+      <p:sp>
+        <p:nvSpPr>
+          <p:cNvPr id="2" name="Title 1"/>
+          <p:cNvSpPr>
+            <a:spLocks noGrp="1"/>
+          </p:cNvSpPr>
+          <p:nvPr>
+            <p:ph type="title"/>
+          </p:nvPr>
+        </p:nvSpPr>
+        <p:spPr>
+          <a:xfrm>
+            <a:off x="1484311" y="685801"/>
+            <a:ext cx="10018713" cy="660400"/>
+          </a:xfrm>
+        </p:spPr>
+        <p:txBody>
+          <a:bodyPr>
+            <a:normAutofit/>
+          </a:bodyPr>
+          <a:lstStyle/>
+          <a:p>
+            <a:pPr algn="l"/>
+            <a:r>
+              <a:rPr lang="en-US" sz="2400" dirty="0" smtClean="0">
+                <a:latin typeface="Times New Roman" panose="02020603050405020304" pitchFamily="18" charset="0"/>
+                <a:cs typeface="Times New Roman" panose="02020603050405020304" pitchFamily="18" charset="0"/>
+              </a:rPr>
+              <a:t>T20 Fact Table</a:t>
+            </a:r>
+            <a:endParaRPr lang="en-IN" sz="2400" dirty="0">
+              <a:latin typeface="Times New Roman" panose="02020603050405020304" pitchFamily="18" charset="0"/>
+              <a:cs typeface="Times New Roman" panose="02020603050405020304" pitchFamily="18" charset="0"/>
+            </a:endParaRPr>
+          </a:p>
+        </p:txBody>
+      </p:sp>
+      <p:pic>
+        <p:nvPicPr>
+          <p:cNvPr id="7" name="Picture 6"/>
+          <p:cNvPicPr>
+            <a:picLocks noChangeAspect="1"/>
+          </p:cNvPicPr>
+          <p:nvPr/>
+        </p:nvPicPr>
+        <p:blipFill>
+          <a:blip r:embed="rId2"/>
+          <a:stretch>
+            <a:fillRect/>
+          </a:stretch>
+        </p:blipFill>
+        <p:spPr>
+          <a:xfrm>
+            <a:off x="2273300" y="1346201"/>
+            <a:ext cx="8255000" cy="5511799"/>
+          </a:xfrm>
+          <a:prstGeom prst="rect">
+            <a:avLst/>
+          </a:prstGeom>
+        </p:spPr>
+      </p:pic>
+    </p:spTree>
+    <p:extLst>
+      <p:ext uri="{BB962C8B-B14F-4D97-AF65-F5344CB8AC3E}">
+        <p14:creationId xmlns:p14="http://schemas.microsoft.com/office/powerpoint/2010/main" val="150720611"/>
+      </p:ext>
+    </p:extLst>
+  </p:cSld>
+  <p:clrMapOvr>
+    <a:masterClrMapping/>
+  </p:clrMapOvr>
+</p:sld>
+</file>
+
+<file path=ppt/slides/slide14.xml><?xml version="1.0" encoding="utf-8"?>
+<p:sld xmlns:a="http://schemas.openxmlformats.org/drawingml/2006/main" xmlns:r="http://schemas.openxmlformats.org/officeDocument/2006/relationships" xmlns:p="http://schemas.openxmlformats.org/presentationml/2006/main">
+  <p:cSld>
+    <p:spTree>
+      <p:nvGrpSpPr>
+        <p:cNvPr id="1" name=""/>
+        <p:cNvGrpSpPr/>
+        <p:nvPr/>
+      </p:nvGrpSpPr>
+      <p:grpSpPr>
+        <a:xfrm>
+          <a:off x="0" y="0"/>
+          <a:ext cx="0" cy="0"/>
+          <a:chOff x="0" y="0"/>
+          <a:chExt cx="0" cy="0"/>
+        </a:xfrm>
+      </p:grpSpPr>
+      <p:sp>
+        <p:nvSpPr>
+          <p:cNvPr id="2" name="Title 1"/>
+          <p:cNvSpPr>
+            <a:spLocks noGrp="1"/>
+          </p:cNvSpPr>
+          <p:nvPr>
+            <p:ph type="title"/>
+          </p:nvPr>
+        </p:nvSpPr>
+        <p:spPr>
+          <a:xfrm>
+            <a:off x="1484311" y="469901"/>
+            <a:ext cx="10018713" cy="939800"/>
+          </a:xfrm>
+        </p:spPr>
+        <p:txBody>
+          <a:bodyPr/>
+          <a:lstStyle/>
+          <a:p>
+            <a:pPr algn="l"/>
+            <a:r>
+              <a:rPr lang="en-US" dirty="0" smtClean="0">
+                <a:latin typeface="Times New Roman" panose="02020603050405020304" pitchFamily="18" charset="0"/>
+                <a:cs typeface="Times New Roman" panose="02020603050405020304" pitchFamily="18" charset="0"/>
+              </a:rPr>
+              <a:t>REPORTS </a:t>
+            </a:r>
+            <a:endParaRPr lang="en-IN" dirty="0">
+              <a:latin typeface="Times New Roman" panose="02020603050405020304" pitchFamily="18" charset="0"/>
+              <a:cs typeface="Times New Roman" panose="02020603050405020304" pitchFamily="18" charset="0"/>
+            </a:endParaRPr>
+          </a:p>
+        </p:txBody>
+      </p:sp>
+      <p:pic>
+        <p:nvPicPr>
+          <p:cNvPr id="10" name="Picture 9"/>
+          <p:cNvPicPr>
+            <a:picLocks noChangeAspect="1"/>
+          </p:cNvPicPr>
+          <p:nvPr/>
+        </p:nvPicPr>
+        <p:blipFill>
+          <a:blip r:embed="rId2"/>
+          <a:stretch>
+            <a:fillRect/>
+          </a:stretch>
+        </p:blipFill>
+        <p:spPr>
+          <a:xfrm>
+            <a:off x="1484311" y="1638300"/>
+            <a:ext cx="9424989" cy="4330700"/>
+          </a:xfrm>
+          <a:prstGeom prst="rect">
+            <a:avLst/>
+          </a:prstGeom>
+        </p:spPr>
+      </p:pic>
+    </p:spTree>
+    <p:extLst>
+      <p:ext uri="{BB962C8B-B14F-4D97-AF65-F5344CB8AC3E}">
+        <p14:creationId xmlns:p14="http://schemas.microsoft.com/office/powerpoint/2010/main" val="1325464281"/>
+      </p:ext>
+    </p:extLst>
+  </p:cSld>
+  <p:clrMapOvr>
+    <a:masterClrMapping/>
+  </p:clrMapOvr>
+</p:sld>
+</file>
+
+<file path=ppt/slides/slide15.xml><?xml version="1.0" encoding="utf-8"?>
+<p:sld xmlns:a="http://schemas.openxmlformats.org/drawingml/2006/main" xmlns:r="http://schemas.openxmlformats.org/officeDocument/2006/relationships" xmlns:p="http://schemas.openxmlformats.org/presentationml/2006/main">
+  <p:cSld>
+    <p:spTree>
+      <p:nvGrpSpPr>
+        <p:cNvPr id="1" name=""/>
+        <p:cNvGrpSpPr/>
+        <p:nvPr/>
+      </p:nvGrpSpPr>
+      <p:grpSpPr>
+        <a:xfrm>
+          <a:off x="0" y="0"/>
+          <a:ext cx="0" cy="0"/>
+          <a:chOff x="0" y="0"/>
+          <a:chExt cx="0" cy="0"/>
+        </a:xfrm>
+      </p:grpSpPr>
+      <p:pic>
+        <p:nvPicPr>
+          <p:cNvPr id="9" name="Picture 8"/>
+          <p:cNvPicPr/>
+          <p:nvPr/>
+        </p:nvPicPr>
+        <p:blipFill>
+          <a:blip r:embed="rId2"/>
+          <a:stretch>
+            <a:fillRect/>
+          </a:stretch>
+        </p:blipFill>
+        <p:spPr>
+          <a:xfrm>
+            <a:off x="2247900" y="1003300"/>
+            <a:ext cx="8762999" cy="5105400"/>
+          </a:xfrm>
+          <a:prstGeom prst="rect">
+            <a:avLst/>
+          </a:prstGeom>
+        </p:spPr>
+      </p:pic>
+    </p:spTree>
+    <p:extLst>
+      <p:ext uri="{BB962C8B-B14F-4D97-AF65-F5344CB8AC3E}">
+        <p14:creationId xmlns:p14="http://schemas.microsoft.com/office/powerpoint/2010/main" val="1580961425"/>
+      </p:ext>
+    </p:extLst>
+  </p:cSld>
+  <p:clrMapOvr>
+    <a:masterClrMapping/>
+  </p:clrMapOvr>
+</p:sld>
+</file>
+
+<file path=ppt/slides/slide16.xml><?xml version="1.0" encoding="utf-8"?>
+<p:sld xmlns:a="http://schemas.openxmlformats.org/drawingml/2006/main" xmlns:r="http://schemas.openxmlformats.org/officeDocument/2006/relationships" xmlns:p="http://schemas.openxmlformats.org/presentationml/2006/main">
+  <p:cSld>
+    <p:spTree>
+      <p:nvGrpSpPr>
+        <p:cNvPr id="1" name=""/>
+        <p:cNvGrpSpPr/>
+        <p:nvPr/>
+      </p:nvGrpSpPr>
+      <p:grpSpPr>
+        <a:xfrm>
+          <a:off x="0" y="0"/>
+          <a:ext cx="0" cy="0"/>
+          <a:chOff x="0" y="0"/>
+          <a:chExt cx="0" cy="0"/>
+        </a:xfrm>
+      </p:grpSpPr>
+      <p:pic>
+        <p:nvPicPr>
+          <p:cNvPr id="6" name="Content Placeholder 5"/>
+          <p:cNvPicPr>
+            <a:picLocks noGrp="1" noChangeAspect="1"/>
+          </p:cNvPicPr>
+          <p:nvPr>
+            <p:ph idx="1"/>
+          </p:nvPr>
+        </p:nvPicPr>
+        <p:blipFill>
+          <a:blip r:embed="rId2"/>
+          <a:stretch>
+            <a:fillRect/>
+          </a:stretch>
+        </p:blipFill>
+        <p:spPr>
+          <a:xfrm>
+            <a:off x="2235200" y="1308100"/>
+            <a:ext cx="8293100" cy="4724400"/>
+          </a:xfrm>
+          <a:prstGeom prst="rect">
+            <a:avLst/>
+          </a:prstGeom>
+        </p:spPr>
+      </p:pic>
+    </p:spTree>
+    <p:extLst>
+      <p:ext uri="{BB962C8B-B14F-4D97-AF65-F5344CB8AC3E}">
+        <p14:creationId xmlns:p14="http://schemas.microsoft.com/office/powerpoint/2010/main" val="3845450774"/>
+      </p:ext>
+    </p:extLst>
+  </p:cSld>
+  <p:clrMapOvr>
+    <a:masterClrMapping/>
+  </p:clrMapOvr>
+</p:sld>
+</file>
+
+<file path=ppt/slides/slide17.xml><?xml version="1.0" encoding="utf-8"?>
+<p:sld xmlns:a="http://schemas.openxmlformats.org/drawingml/2006/main" xmlns:r="http://schemas.openxmlformats.org/officeDocument/2006/relationships" xmlns:p="http://schemas.openxmlformats.org/presentationml/2006/main">
+  <p:cSld>
+    <p:spTree>
+      <p:nvGrpSpPr>
+        <p:cNvPr id="1" name=""/>
+        <p:cNvGrpSpPr/>
+        <p:nvPr/>
+      </p:nvGrpSpPr>
+      <p:grpSpPr>
+        <a:xfrm>
+          <a:off x="0" y="0"/>
+          <a:ext cx="0" cy="0"/>
+          <a:chOff x="0" y="0"/>
+          <a:chExt cx="0" cy="0"/>
+        </a:xfrm>
+      </p:grpSpPr>
+      <p:sp>
+        <p:nvSpPr>
+          <p:cNvPr id="2" name="Title 1"/>
+          <p:cNvSpPr>
+            <a:spLocks noGrp="1"/>
+          </p:cNvSpPr>
+          <p:nvPr>
+            <p:ph type="title"/>
+          </p:nvPr>
+        </p:nvSpPr>
+        <p:spPr>
+          <a:xfrm>
+            <a:off x="1484311" y="685800"/>
+            <a:ext cx="10018713" cy="5930900"/>
+          </a:xfrm>
+          <a:effectLst>
+            <a:outerShdw blurRad="76200" dist="12700" dir="8100000" sy="-23000" kx="800400" algn="br" rotWithShape="0">
+              <a:prstClr val="black">
+                <a:alpha val="20000"/>
+              </a:prstClr>
+            </a:outerShdw>
+            <a:reflection blurRad="6350" stA="50000" endA="300" endPos="55000" dir="5400000" sy="-100000" algn="bl" rotWithShape="0"/>
+          </a:effectLst>
+          <a:scene3d>
+            <a:camera prst="perspectiveContrastingRightFacing"/>
+            <a:lightRig rig="threePt" dir="t"/>
+          </a:scene3d>
+          <a:sp3d>
+            <a:bevelT w="139700" prst="cross"/>
+          </a:sp3d>
+        </p:spPr>
+        <p:txBody>
+          <a:bodyPr>
+            <a:normAutofit/>
+          </a:bodyPr>
+          <a:lstStyle/>
+          <a:p>
+            <a:r>
+              <a:rPr lang="en-US" sz="8800" b="1" i="1" dirty="0" smtClean="0">
+                <a:latin typeface="Castellar" panose="020A0402060406010301" pitchFamily="18" charset="0"/>
+              </a:rPr>
+              <a:t>THANK YOU</a:t>
+            </a:r>
+            <a:endParaRPr lang="en-IN" sz="8800" b="1" i="1" dirty="0">
+              <a:latin typeface="Castellar" panose="020A0402060406010301" pitchFamily="18" charset="0"/>
+            </a:endParaRPr>
+          </a:p>
+        </p:txBody>
+      </p:sp>
+    </p:spTree>
+    <p:extLst>
+      <p:ext uri="{BB962C8B-B14F-4D97-AF65-F5344CB8AC3E}">
+        <p14:creationId xmlns:p14="http://schemas.microsoft.com/office/powerpoint/2010/main" val="3841089833"/>
+      </p:ext>
+    </p:extLst>
+  </p:cSld>
+  <p:clrMapOvr>
+    <a:masterClrMapping/>
+  </p:clrMapOvr>
+</p:sld>
+</file>
+
+<file path=ppt/slides/slide2.xml><?xml version="1.0" encoding="utf-8"?>
+<p:sld xmlns:a="http://schemas.openxmlformats.org/drawingml/2006/main" xmlns:r="http://schemas.openxmlformats.org/officeDocument/2006/relationships" xmlns:p="http://schemas.openxmlformats.org/presentationml/2006/main">
+  <p:cSld>
+    <p:spTree>
+      <p:nvGrpSpPr>
+        <p:cNvPr id="1" name=""/>
+        <p:cNvGrpSpPr/>
+        <p:nvPr/>
+      </p:nvGrpSpPr>
+      <p:grpSpPr>
+        <a:xfrm>
+          <a:off x="0" y="0"/>
+          <a:ext cx="0" cy="0"/>
+          <a:chOff x="0" y="0"/>
+          <a:chExt cx="0" cy="0"/>
+        </a:xfrm>
+      </p:grpSpPr>
+      <p:sp>
+        <p:nvSpPr>
+          <p:cNvPr id="2" name="Title 1"/>
+          <p:cNvSpPr>
+            <a:spLocks noGrp="1"/>
+          </p:cNvSpPr>
+          <p:nvPr>
+            <p:ph type="title"/>
+          </p:nvPr>
+        </p:nvSpPr>
+        <p:spPr/>
+        <p:txBody>
+          <a:bodyPr/>
+          <a:lstStyle/>
+          <a:p>
+            <a:pPr algn="l"/>
+            <a:r>
+              <a:rPr lang="en-US" dirty="0" smtClean="0">
+                <a:latin typeface="Times New Roman" panose="02020603050405020304" pitchFamily="18" charset="0"/>
+                <a:cs typeface="Times New Roman" panose="02020603050405020304" pitchFamily="18" charset="0"/>
+              </a:rPr>
+              <a:t>ABSTRACT</a:t>
+            </a:r>
+            <a:endParaRPr lang="en-IN" dirty="0">
+              <a:latin typeface="Times New Roman" panose="02020603050405020304" pitchFamily="18" charset="0"/>
+              <a:cs typeface="Times New Roman" panose="02020603050405020304" pitchFamily="18" charset="0"/>
+            </a:endParaRPr>
+          </a:p>
+        </p:txBody>
+      </p:sp>
+      <p:sp>
+        <p:nvSpPr>
+          <p:cNvPr id="3" name="Content Placeholder 2"/>
+          <p:cNvSpPr>
+            <a:spLocks noGrp="1"/>
+          </p:cNvSpPr>
+          <p:nvPr>
+            <p:ph idx="1"/>
+          </p:nvPr>
+        </p:nvSpPr>
+        <p:spPr/>
+        <p:txBody>
+          <a:bodyPr>
+            <a:normAutofit/>
+          </a:bodyPr>
+          <a:lstStyle/>
+          <a:p>
+            <a:r>
+              <a:rPr lang="en-US" dirty="0">
+                <a:latin typeface="Verdana" panose="020B0604030504040204" pitchFamily="34" charset="0"/>
+                <a:ea typeface="Verdana" panose="020B0604030504040204" pitchFamily="34" charset="0"/>
+              </a:rPr>
+              <a:t>This project is aimed at developing Cricket Players Performance System (CPPS).</a:t>
+            </a:r>
+          </a:p>
+          <a:p>
+            <a:r>
+              <a:rPr lang="en-US" dirty="0" smtClean="0">
+                <a:latin typeface="Verdana" panose="020B0604030504040204" pitchFamily="34" charset="0"/>
+                <a:ea typeface="Verdana" panose="020B0604030504040204" pitchFamily="34" charset="0"/>
+              </a:rPr>
+              <a:t>This system is </a:t>
+            </a:r>
+            <a:r>
+              <a:rPr lang="en-US" dirty="0">
+                <a:latin typeface="Verdana" panose="020B0604030504040204" pitchFamily="34" charset="0"/>
+                <a:ea typeface="Verdana" panose="020B0604030504040204" pitchFamily="34" charset="0"/>
+              </a:rPr>
+              <a:t>used to check the performance of the </a:t>
+            </a:r>
+            <a:r>
+              <a:rPr lang="en-US" dirty="0" smtClean="0">
+                <a:latin typeface="Verdana" panose="020B0604030504040204" pitchFamily="34" charset="0"/>
+                <a:ea typeface="Verdana" panose="020B0604030504040204" pitchFamily="34" charset="0"/>
+              </a:rPr>
+              <a:t>players in cricket from </a:t>
+            </a:r>
+            <a:r>
+              <a:rPr lang="en-US" dirty="0">
+                <a:latin typeface="Verdana" panose="020B0604030504040204" pitchFamily="34" charset="0"/>
+                <a:ea typeface="Verdana" panose="020B0604030504040204" pitchFamily="34" charset="0"/>
+              </a:rPr>
+              <a:t>different countries in various </a:t>
+            </a:r>
+            <a:r>
+              <a:rPr lang="en-US" dirty="0" smtClean="0">
+                <a:latin typeface="Verdana" panose="020B0604030504040204" pitchFamily="34" charset="0"/>
+                <a:ea typeface="Verdana" panose="020B0604030504040204" pitchFamily="34" charset="0"/>
+              </a:rPr>
+              <a:t>international </a:t>
+            </a:r>
+            <a:r>
+              <a:rPr lang="en-US" dirty="0">
+                <a:latin typeface="Verdana" panose="020B0604030504040204" pitchFamily="34" charset="0"/>
+                <a:ea typeface="Verdana" panose="020B0604030504040204" pitchFamily="34" charset="0"/>
+              </a:rPr>
+              <a:t>matches.</a:t>
+            </a:r>
+            <a:endParaRPr lang="en-IN" dirty="0">
+              <a:latin typeface="Verdana" panose="020B0604030504040204" pitchFamily="34" charset="0"/>
+              <a:ea typeface="Verdana" panose="020B0604030504040204" pitchFamily="34" charset="0"/>
+            </a:endParaRPr>
+          </a:p>
+          <a:p>
+            <a:pPr marL="0" indent="0">
+              <a:buNone/>
+            </a:pPr>
+            <a:endParaRPr lang="en-IN" dirty="0"/>
+          </a:p>
+        </p:txBody>
+      </p:sp>
+    </p:spTree>
+    <p:extLst>
+      <p:ext uri="{BB962C8B-B14F-4D97-AF65-F5344CB8AC3E}">
+        <p14:creationId xmlns:p14="http://schemas.microsoft.com/office/powerpoint/2010/main" val="3042222609"/>
+      </p:ext>
+    </p:extLst>
+  </p:cSld>
+  <p:clrMapOvr>
+    <a:masterClrMapping/>
+  </p:clrMapOvr>
+</p:sld>
+</file>
+
+<file path=ppt/slides/slide3.xml><?xml version="1.0" encoding="utf-8"?>
+<p:sld xmlns:a="http://schemas.openxmlformats.org/drawingml/2006/main" xmlns:r="http://schemas.openxmlformats.org/officeDocument/2006/relationships" xmlns:p="http://schemas.openxmlformats.org/presentationml/2006/main">
+  <p:cSld>
+    <p:spTree>
+      <p:nvGrpSpPr>
+        <p:cNvPr id="1" name=""/>
+        <p:cNvGrpSpPr/>
+        <p:nvPr/>
+      </p:nvGrpSpPr>
+      <p:grpSpPr>
+        <a:xfrm>
+          <a:off x="0" y="0"/>
+          <a:ext cx="0" cy="0"/>
+          <a:chOff x="0" y="0"/>
+          <a:chExt cx="0" cy="0"/>
+        </a:xfrm>
+      </p:grpSpPr>
+      <p:sp>
+        <p:nvSpPr>
+          <p:cNvPr id="2" name="Title 1"/>
+          <p:cNvSpPr>
+            <a:spLocks noGrp="1"/>
+          </p:cNvSpPr>
+          <p:nvPr>
+            <p:ph type="title"/>
+          </p:nvPr>
+        </p:nvSpPr>
+        <p:spPr/>
+        <p:txBody>
+          <a:bodyPr/>
+          <a:lstStyle/>
+          <a:p>
+            <a:pPr algn="l"/>
+            <a:r>
+              <a:rPr lang="en-US" dirty="0" smtClean="0">
+                <a:latin typeface="Times New Roman" panose="02020603050405020304" pitchFamily="18" charset="0"/>
+                <a:cs typeface="Times New Roman" panose="02020603050405020304" pitchFamily="18" charset="0"/>
+              </a:rPr>
+              <a:t>Technologies</a:t>
+            </a:r>
+            <a:endParaRPr lang="en-IN" dirty="0">
+              <a:latin typeface="Times New Roman" panose="02020603050405020304" pitchFamily="18" charset="0"/>
+              <a:cs typeface="Times New Roman" panose="02020603050405020304" pitchFamily="18" charset="0"/>
+            </a:endParaRPr>
+          </a:p>
+        </p:txBody>
+      </p:sp>
+      <p:sp>
+        <p:nvSpPr>
+          <p:cNvPr id="3" name="Content Placeholder 2"/>
+          <p:cNvSpPr>
+            <a:spLocks noGrp="1"/>
+          </p:cNvSpPr>
+          <p:nvPr>
+            <p:ph idx="1"/>
+          </p:nvPr>
+        </p:nvSpPr>
+        <p:spPr>
+          <a:xfrm>
+            <a:off x="1484310" y="2044700"/>
+            <a:ext cx="10018713" cy="3124200"/>
+          </a:xfrm>
+        </p:spPr>
+        <p:txBody>
+          <a:bodyPr/>
+          <a:lstStyle/>
+          <a:p>
+            <a:pPr lvl="0" algn="just"/>
+            <a:r>
+              <a:rPr lang="en-US" dirty="0">
+                <a:latin typeface="Verdana" panose="020B0604030504040204" pitchFamily="34" charset="0"/>
+                <a:ea typeface="Verdana" panose="020B0604030504040204" pitchFamily="34" charset="0"/>
+              </a:rPr>
+              <a:t>Oracle 11G/SQL </a:t>
+            </a:r>
+            <a:r>
+              <a:rPr lang="en-US" dirty="0" smtClean="0">
+                <a:latin typeface="Verdana" panose="020B0604030504040204" pitchFamily="34" charset="0"/>
+                <a:ea typeface="Verdana" panose="020B0604030504040204" pitchFamily="34" charset="0"/>
+              </a:rPr>
+              <a:t>Server (Database)</a:t>
+            </a:r>
+            <a:endParaRPr lang="en-US" dirty="0" smtClean="0">
+              <a:latin typeface="Verdana" panose="020B0604030504040204" pitchFamily="34" charset="0"/>
+              <a:ea typeface="Verdana" panose="020B0604030504040204" pitchFamily="34" charset="0"/>
+            </a:endParaRPr>
+          </a:p>
+          <a:p>
+            <a:pPr lvl="0" algn="just"/>
+            <a:r>
+              <a:rPr lang="en-US" dirty="0" err="1" smtClean="0">
+                <a:latin typeface="Verdana" panose="020B0604030504040204" pitchFamily="34" charset="0"/>
+                <a:ea typeface="Verdana" panose="020B0604030504040204" pitchFamily="34" charset="0"/>
+              </a:rPr>
+              <a:t>Informatica</a:t>
+            </a:r>
+            <a:r>
+              <a:rPr lang="en-US" dirty="0" smtClean="0">
+                <a:latin typeface="Verdana" panose="020B0604030504040204" pitchFamily="34" charset="0"/>
+                <a:ea typeface="Verdana" panose="020B0604030504040204" pitchFamily="34" charset="0"/>
+              </a:rPr>
+              <a:t> </a:t>
+            </a:r>
+            <a:r>
+              <a:rPr lang="en-US" dirty="0">
+                <a:latin typeface="Verdana" panose="020B0604030504040204" pitchFamily="34" charset="0"/>
+                <a:ea typeface="Verdana" panose="020B0604030504040204" pitchFamily="34" charset="0"/>
+              </a:rPr>
+              <a:t>power </a:t>
+            </a:r>
+            <a:r>
+              <a:rPr lang="en-US" dirty="0" smtClean="0">
+                <a:latin typeface="Verdana" panose="020B0604030504040204" pitchFamily="34" charset="0"/>
+                <a:ea typeface="Verdana" panose="020B0604030504040204" pitchFamily="34" charset="0"/>
+              </a:rPr>
+              <a:t>center</a:t>
+            </a:r>
+          </a:p>
+          <a:p>
+            <a:pPr lvl="0" algn="just"/>
+            <a:r>
+              <a:rPr lang="en-US" dirty="0" smtClean="0">
+                <a:latin typeface="Verdana" panose="020B0604030504040204" pitchFamily="34" charset="0"/>
+                <a:ea typeface="Verdana" panose="020B0604030504040204" pitchFamily="34" charset="0"/>
+              </a:rPr>
+              <a:t>Tableau </a:t>
+            </a:r>
+            <a:r>
+              <a:rPr lang="en-US" dirty="0">
+                <a:latin typeface="Verdana" panose="020B0604030504040204" pitchFamily="34" charset="0"/>
+                <a:ea typeface="Verdana" panose="020B0604030504040204" pitchFamily="34" charset="0"/>
+              </a:rPr>
+              <a:t>Desktop </a:t>
+            </a:r>
+            <a:endParaRPr lang="en-IN" dirty="0">
+              <a:latin typeface="Verdana" panose="020B0604030504040204" pitchFamily="34" charset="0"/>
+              <a:ea typeface="Verdana" panose="020B0604030504040204" pitchFamily="34" charset="0"/>
+            </a:endParaRPr>
+          </a:p>
+        </p:txBody>
+      </p:sp>
+    </p:spTree>
+    <p:extLst>
+      <p:ext uri="{BB962C8B-B14F-4D97-AF65-F5344CB8AC3E}">
+        <p14:creationId xmlns:p14="http://schemas.microsoft.com/office/powerpoint/2010/main" val="86500703"/>
+      </p:ext>
+    </p:extLst>
+  </p:cSld>
+  <p:clrMapOvr>
+    <a:masterClrMapping/>
+  </p:clrMapOvr>
+</p:sld>
+</file>
+
+<file path=ppt/slides/slide4.xml><?xml version="1.0" encoding="utf-8"?>
+<p:sld xmlns:a="http://schemas.openxmlformats.org/drawingml/2006/main" xmlns:r="http://schemas.openxmlformats.org/officeDocument/2006/relationships" xmlns:p="http://schemas.openxmlformats.org/presentationml/2006/main">
+  <p:cSld>
+    <p:spTree>
+      <p:nvGrpSpPr>
+        <p:cNvPr id="1" name=""/>
+        <p:cNvGrpSpPr/>
+        <p:nvPr/>
+      </p:nvGrpSpPr>
+      <p:grpSpPr>
+        <a:xfrm>
+          <a:off x="0" y="0"/>
+          <a:ext cx="0" cy="0"/>
+          <a:chOff x="0" y="0"/>
+          <a:chExt cx="0" cy="0"/>
+        </a:xfrm>
+      </p:grpSpPr>
+      <p:sp>
+        <p:nvSpPr>
+          <p:cNvPr id="2" name="Title 1"/>
+          <p:cNvSpPr>
+            <a:spLocks noGrp="1"/>
+          </p:cNvSpPr>
+          <p:nvPr>
+            <p:ph type="title"/>
+          </p:nvPr>
+        </p:nvSpPr>
+        <p:spPr>
+          <a:xfrm>
+            <a:off x="1484311" y="685801"/>
+            <a:ext cx="10018713" cy="1130300"/>
+          </a:xfrm>
+        </p:spPr>
+        <p:txBody>
+          <a:bodyPr/>
+          <a:lstStyle/>
+          <a:p>
+            <a:pPr algn="l"/>
+            <a:r>
+              <a:rPr lang="en-US" dirty="0" smtClean="0">
+                <a:latin typeface="Times New Roman" panose="02020603050405020304" pitchFamily="18" charset="0"/>
+                <a:cs typeface="Times New Roman" panose="02020603050405020304" pitchFamily="18" charset="0"/>
+              </a:rPr>
+              <a:t>Project Flow</a:t>
+            </a:r>
+            <a:endParaRPr lang="en-IN" dirty="0">
+              <a:latin typeface="Times New Roman" panose="02020603050405020304" pitchFamily="18" charset="0"/>
+              <a:cs typeface="Times New Roman" panose="02020603050405020304" pitchFamily="18" charset="0"/>
+            </a:endParaRPr>
+          </a:p>
+        </p:txBody>
+      </p:sp>
+      <p:pic>
+        <p:nvPicPr>
+          <p:cNvPr id="4" name="Content Placeholder 3"/>
+          <p:cNvPicPr>
+            <a:picLocks noGrp="1" noChangeAspect="1"/>
+          </p:cNvPicPr>
+          <p:nvPr>
+            <p:ph idx="1"/>
+          </p:nvPr>
+        </p:nvPicPr>
+        <p:blipFill>
+          <a:blip r:embed="rId2"/>
+          <a:stretch>
+            <a:fillRect/>
+          </a:stretch>
+        </p:blipFill>
+        <p:spPr>
+          <a:xfrm>
+            <a:off x="2400300" y="2209800"/>
+            <a:ext cx="8089900" cy="4038600"/>
+          </a:xfrm>
+          <a:prstGeom prst="rect">
+            <a:avLst/>
+          </a:prstGeom>
+        </p:spPr>
+      </p:pic>
+    </p:spTree>
+    <p:extLst>
+      <p:ext uri="{BB962C8B-B14F-4D97-AF65-F5344CB8AC3E}">
+        <p14:creationId xmlns:p14="http://schemas.microsoft.com/office/powerpoint/2010/main" val="1247664223"/>
+      </p:ext>
+    </p:extLst>
+  </p:cSld>
+  <p:clrMapOvr>
+    <a:masterClrMapping/>
+  </p:clrMapOvr>
+</p:sld>
+</file>
+
+<file path=ppt/slides/slide5.xml><?xml version="1.0" encoding="utf-8"?>
+<p:sld xmlns:a="http://schemas.openxmlformats.org/drawingml/2006/main" xmlns:r="http://schemas.openxmlformats.org/officeDocument/2006/relationships" xmlns:p="http://schemas.openxmlformats.org/presentationml/2006/main">
+  <p:cSld>
+    <p:spTree>
+      <p:nvGrpSpPr>
+        <p:cNvPr id="1" name=""/>
+        <p:cNvGrpSpPr/>
+        <p:nvPr/>
+      </p:nvGrpSpPr>
+      <p:grpSpPr>
+        <a:xfrm>
+          <a:off x="0" y="0"/>
+          <a:ext cx="0" cy="0"/>
+          <a:chOff x="0" y="0"/>
+          <a:chExt cx="0" cy="0"/>
+        </a:xfrm>
+      </p:grpSpPr>
+      <p:sp>
+        <p:nvSpPr>
+          <p:cNvPr id="2" name="Title 1"/>
+          <p:cNvSpPr>
+            <a:spLocks noGrp="1"/>
+          </p:cNvSpPr>
+          <p:nvPr>
+            <p:ph type="title"/>
+          </p:nvPr>
+        </p:nvSpPr>
+        <p:spPr>
+          <a:xfrm>
+            <a:off x="1484311" y="685801"/>
+            <a:ext cx="10018713" cy="939800"/>
+          </a:xfrm>
+        </p:spPr>
+        <p:txBody>
+          <a:bodyPr/>
+          <a:lstStyle/>
+          <a:p>
+            <a:pPr algn="l"/>
+            <a:r>
+              <a:rPr lang="en-US" dirty="0" smtClean="0">
+                <a:latin typeface="Times New Roman" panose="02020603050405020304" pitchFamily="18" charset="0"/>
+                <a:cs typeface="Times New Roman" panose="02020603050405020304" pitchFamily="18" charset="0"/>
+              </a:rPr>
+              <a:t>Schema design</a:t>
+            </a:r>
+            <a:endParaRPr lang="en-IN" dirty="0">
+              <a:latin typeface="Times New Roman" panose="02020603050405020304" pitchFamily="18" charset="0"/>
+              <a:cs typeface="Times New Roman" panose="02020603050405020304" pitchFamily="18" charset="0"/>
+            </a:endParaRPr>
+          </a:p>
+        </p:txBody>
+      </p:sp>
+      <p:pic>
+        <p:nvPicPr>
+          <p:cNvPr id="4" name="Content Placeholder 3"/>
+          <p:cNvPicPr>
+            <a:picLocks noGrp="1" noChangeAspect="1"/>
+          </p:cNvPicPr>
+          <p:nvPr>
+            <p:ph idx="1"/>
+          </p:nvPr>
+        </p:nvPicPr>
+        <p:blipFill>
+          <a:blip r:embed="rId2"/>
+          <a:stretch>
+            <a:fillRect/>
+          </a:stretch>
+        </p:blipFill>
+        <p:spPr>
+          <a:xfrm>
+            <a:off x="2743200" y="1778000"/>
+            <a:ext cx="7378700" cy="4889500"/>
+          </a:xfrm>
+          <a:prstGeom prst="rect">
+            <a:avLst/>
+          </a:prstGeom>
+        </p:spPr>
+      </p:pic>
+    </p:spTree>
+    <p:extLst>
+      <p:ext uri="{BB962C8B-B14F-4D97-AF65-F5344CB8AC3E}">
+        <p14:creationId xmlns:p14="http://schemas.microsoft.com/office/powerpoint/2010/main" val="142251764"/>
+      </p:ext>
+    </p:extLst>
+  </p:cSld>
+  <p:clrMapOvr>
+    <a:masterClrMapping/>
+  </p:clrMapOvr>
+</p:sld>
+</file>
+
+<file path=ppt/slides/slide6.xml><?xml version="1.0" encoding="utf-8"?>
+<p:sld xmlns:a="http://schemas.openxmlformats.org/drawingml/2006/main" xmlns:r="http://schemas.openxmlformats.org/officeDocument/2006/relationships" xmlns:p="http://schemas.openxmlformats.org/presentationml/2006/main">
+  <p:cSld>
+    <p:spTree>
+      <p:nvGrpSpPr>
+        <p:cNvPr id="1" name=""/>
+        <p:cNvGrpSpPr/>
+        <p:nvPr/>
+      </p:nvGrpSpPr>
+      <p:grpSpPr>
+        <a:xfrm>
+          <a:off x="0" y="0"/>
+          <a:ext cx="0" cy="0"/>
+          <a:chOff x="0" y="0"/>
+          <a:chExt cx="0" cy="0"/>
+        </a:xfrm>
+      </p:grpSpPr>
+      <p:sp>
+        <p:nvSpPr>
+          <p:cNvPr id="2" name="Title 1"/>
+          <p:cNvSpPr>
+            <a:spLocks noGrp="1"/>
+          </p:cNvSpPr>
+          <p:nvPr>
+            <p:ph type="title"/>
+          </p:nvPr>
+        </p:nvSpPr>
+        <p:spPr/>
+        <p:txBody>
+          <a:bodyPr/>
+          <a:lstStyle/>
+          <a:p>
+            <a:pPr algn="l"/>
+            <a:r>
+              <a:rPr lang="en-US" dirty="0" smtClean="0">
+                <a:latin typeface="Times New Roman" panose="02020603050405020304" pitchFamily="18" charset="0"/>
+                <a:cs typeface="Times New Roman" panose="02020603050405020304" pitchFamily="18" charset="0"/>
+              </a:rPr>
+              <a:t>SOURCE DATA</a:t>
+            </a:r>
+            <a:endParaRPr lang="en-IN" dirty="0">
+              <a:latin typeface="Times New Roman" panose="02020603050405020304" pitchFamily="18" charset="0"/>
+              <a:cs typeface="Times New Roman" panose="02020603050405020304" pitchFamily="18" charset="0"/>
+            </a:endParaRPr>
+          </a:p>
+        </p:txBody>
+      </p:sp>
+      <p:sp>
+        <p:nvSpPr>
+          <p:cNvPr id="3" name="Content Placeholder 2"/>
+          <p:cNvSpPr>
+            <a:spLocks noGrp="1"/>
+          </p:cNvSpPr>
+          <p:nvPr>
+            <p:ph idx="1"/>
+          </p:nvPr>
+        </p:nvSpPr>
+        <p:spPr/>
+        <p:txBody>
+          <a:bodyPr/>
+          <a:lstStyle/>
+          <a:p>
+            <a:r>
+              <a:rPr lang="en-US" dirty="0">
+                <a:latin typeface="Verdana" panose="020B0604030504040204" pitchFamily="34" charset="0"/>
+                <a:ea typeface="Verdana" panose="020B0604030504040204" pitchFamily="34" charset="0"/>
+              </a:rPr>
+              <a:t>The source data contains player names, matches, bat-innings, overs and so on.</a:t>
+            </a:r>
+          </a:p>
+          <a:p>
+            <a:r>
+              <a:rPr lang="en-US" dirty="0">
+                <a:latin typeface="Verdana" panose="020B0604030504040204" pitchFamily="34" charset="0"/>
+                <a:ea typeface="Verdana" panose="020B0604030504040204" pitchFamily="34" charset="0"/>
+              </a:rPr>
+              <a:t>The source data </a:t>
+            </a:r>
+            <a:r>
+              <a:rPr lang="en-US" dirty="0" smtClean="0">
+                <a:latin typeface="Verdana" panose="020B0604030504040204" pitchFamily="34" charset="0"/>
+                <a:ea typeface="Verdana" panose="020B0604030504040204" pitchFamily="34" charset="0"/>
+              </a:rPr>
+              <a:t>is as follows</a:t>
+            </a:r>
+          </a:p>
+          <a:p>
+            <a:pPr marL="0" indent="0">
+              <a:buNone/>
+            </a:pPr>
+            <a:r>
+              <a:rPr lang="en-US" dirty="0" smtClean="0">
+                <a:latin typeface="Verdana" panose="020B0604030504040204" pitchFamily="34" charset="0"/>
+                <a:ea typeface="Verdana" panose="020B0604030504040204" pitchFamily="34" charset="0"/>
+              </a:rPr>
+              <a:t>   1.ODI (batting, bowling, fielding)</a:t>
+            </a:r>
+            <a:endParaRPr lang="en-US" dirty="0">
+              <a:latin typeface="Verdana" panose="020B0604030504040204" pitchFamily="34" charset="0"/>
+              <a:ea typeface="Verdana" panose="020B0604030504040204" pitchFamily="34" charset="0"/>
+            </a:endParaRPr>
+          </a:p>
+          <a:p>
+            <a:pPr marL="0" indent="0">
+              <a:buNone/>
+            </a:pPr>
+            <a:r>
+              <a:rPr lang="en-US" dirty="0">
+                <a:latin typeface="Verdana" panose="020B0604030504040204" pitchFamily="34" charset="0"/>
+                <a:ea typeface="Verdana" panose="020B0604030504040204" pitchFamily="34" charset="0"/>
+              </a:rPr>
+              <a:t>   </a:t>
+            </a:r>
+            <a:r>
+              <a:rPr lang="en-US" dirty="0" smtClean="0">
+                <a:latin typeface="Verdana" panose="020B0604030504040204" pitchFamily="34" charset="0"/>
+                <a:ea typeface="Verdana" panose="020B0604030504040204" pitchFamily="34" charset="0"/>
+              </a:rPr>
+              <a:t>2.Test (</a:t>
+            </a:r>
+            <a:r>
+              <a:rPr lang="en-US" dirty="0">
+                <a:latin typeface="Verdana" panose="020B0604030504040204" pitchFamily="34" charset="0"/>
+                <a:ea typeface="Verdana" panose="020B0604030504040204" pitchFamily="34" charset="0"/>
+              </a:rPr>
+              <a:t>batting, bowling, fielding</a:t>
+            </a:r>
+            <a:r>
+              <a:rPr lang="en-US" dirty="0" smtClean="0">
+                <a:latin typeface="Verdana" panose="020B0604030504040204" pitchFamily="34" charset="0"/>
+                <a:ea typeface="Verdana" panose="020B0604030504040204" pitchFamily="34" charset="0"/>
+              </a:rPr>
+              <a:t>)</a:t>
+            </a:r>
+            <a:endParaRPr lang="en-US" dirty="0">
+              <a:latin typeface="Verdana" panose="020B0604030504040204" pitchFamily="34" charset="0"/>
+              <a:ea typeface="Verdana" panose="020B0604030504040204" pitchFamily="34" charset="0"/>
+            </a:endParaRPr>
+          </a:p>
+          <a:p>
+            <a:pPr marL="0" indent="0">
+              <a:buNone/>
+            </a:pPr>
+            <a:r>
+              <a:rPr lang="en-US" dirty="0">
+                <a:latin typeface="Verdana" panose="020B0604030504040204" pitchFamily="34" charset="0"/>
+                <a:ea typeface="Verdana" panose="020B0604030504040204" pitchFamily="34" charset="0"/>
+              </a:rPr>
+              <a:t>   3.T-20 </a:t>
+            </a:r>
+            <a:r>
+              <a:rPr lang="en-US" dirty="0" smtClean="0">
+                <a:latin typeface="Verdana" panose="020B0604030504040204" pitchFamily="34" charset="0"/>
+                <a:ea typeface="Verdana" panose="020B0604030504040204" pitchFamily="34" charset="0"/>
+              </a:rPr>
+              <a:t>(</a:t>
+            </a:r>
+            <a:r>
+              <a:rPr lang="en-US" dirty="0">
+                <a:latin typeface="Verdana" panose="020B0604030504040204" pitchFamily="34" charset="0"/>
+                <a:ea typeface="Verdana" panose="020B0604030504040204" pitchFamily="34" charset="0"/>
+              </a:rPr>
+              <a:t>batting, bowling, fielding</a:t>
+            </a:r>
+            <a:r>
+              <a:rPr lang="en-US" dirty="0" smtClean="0">
+                <a:latin typeface="Verdana" panose="020B0604030504040204" pitchFamily="34" charset="0"/>
+                <a:ea typeface="Verdana" panose="020B0604030504040204" pitchFamily="34" charset="0"/>
+              </a:rPr>
+              <a:t>)</a:t>
+            </a:r>
+            <a:endParaRPr lang="en-IN" dirty="0">
+              <a:latin typeface="Verdana" panose="020B0604030504040204" pitchFamily="34" charset="0"/>
+              <a:ea typeface="Verdana" panose="020B0604030504040204" pitchFamily="34" charset="0"/>
+            </a:endParaRPr>
+          </a:p>
+          <a:p>
+            <a:endParaRPr lang="en-IN" dirty="0"/>
+          </a:p>
+        </p:txBody>
+      </p:sp>
+    </p:spTree>
+    <p:extLst>
+      <p:ext uri="{BB962C8B-B14F-4D97-AF65-F5344CB8AC3E}">
+        <p14:creationId xmlns:p14="http://schemas.microsoft.com/office/powerpoint/2010/main" val="3515809182"/>
+      </p:ext>
+    </p:extLst>
+  </p:cSld>
+  <p:clrMapOvr>
+    <a:masterClrMapping/>
+  </p:clrMapOvr>
+</p:sld>
+</file>
+
+<file path=ppt/slides/slide7.xml><?xml version="1.0" encoding="utf-8"?>
+<p:sld xmlns:a="http://schemas.openxmlformats.org/drawingml/2006/main" xmlns:r="http://schemas.openxmlformats.org/officeDocument/2006/relationships" xmlns:p="http://schemas.openxmlformats.org/presentationml/2006/main">
+  <p:cSld>
+    <p:spTree>
+      <p:nvGrpSpPr>
+        <p:cNvPr id="1" name=""/>
+        <p:cNvGrpSpPr/>
+        <p:nvPr/>
+      </p:nvGrpSpPr>
+      <p:grpSpPr>
+        <a:xfrm>
+          <a:off x="0" y="0"/>
+          <a:ext cx="0" cy="0"/>
+          <a:chOff x="0" y="0"/>
+          <a:chExt cx="0" cy="0"/>
+        </a:xfrm>
+      </p:grpSpPr>
+      <p:sp>
+        <p:nvSpPr>
+          <p:cNvPr id="2" name="Title 1"/>
+          <p:cNvSpPr>
+            <a:spLocks noGrp="1"/>
+          </p:cNvSpPr>
+          <p:nvPr>
+            <p:ph type="title"/>
+          </p:nvPr>
+        </p:nvSpPr>
+        <p:spPr/>
+        <p:txBody>
+          <a:bodyPr/>
+          <a:lstStyle/>
+          <a:p>
+            <a:pPr algn="l"/>
+            <a:r>
+              <a:rPr lang="en-US" dirty="0" smtClean="0">
+                <a:latin typeface="Times New Roman" panose="02020603050405020304" pitchFamily="18" charset="0"/>
+                <a:cs typeface="Times New Roman" panose="02020603050405020304" pitchFamily="18" charset="0"/>
+              </a:rPr>
+              <a:t>STAGING</a:t>
+            </a:r>
+            <a:endParaRPr lang="en-IN" dirty="0">
+              <a:latin typeface="Times New Roman" panose="02020603050405020304" pitchFamily="18" charset="0"/>
+              <a:cs typeface="Times New Roman" panose="02020603050405020304" pitchFamily="18" charset="0"/>
+            </a:endParaRPr>
+          </a:p>
+        </p:txBody>
+      </p:sp>
+      <p:pic>
+        <p:nvPicPr>
+          <p:cNvPr id="4" name="Content Placeholder 3"/>
+          <p:cNvPicPr>
+            <a:picLocks noGrp="1" noChangeAspect="1"/>
+          </p:cNvPicPr>
+          <p:nvPr>
+            <p:ph idx="1"/>
+          </p:nvPr>
+        </p:nvPicPr>
+        <p:blipFill>
+          <a:blip r:embed="rId2"/>
+          <a:stretch>
+            <a:fillRect/>
+          </a:stretch>
+        </p:blipFill>
+        <p:spPr>
+          <a:xfrm>
+            <a:off x="2159000" y="2082800"/>
+            <a:ext cx="8140700" cy="4000500"/>
+          </a:xfrm>
+          <a:prstGeom prst="rect">
+            <a:avLst/>
+          </a:prstGeom>
+        </p:spPr>
+      </p:pic>
+    </p:spTree>
+    <p:extLst>
+      <p:ext uri="{BB962C8B-B14F-4D97-AF65-F5344CB8AC3E}">
+        <p14:creationId xmlns:p14="http://schemas.microsoft.com/office/powerpoint/2010/main" val="9308762"/>
+      </p:ext>
+    </p:extLst>
+  </p:cSld>
+  <p:clrMapOvr>
+    <a:masterClrMapping/>
+  </p:clrMapOvr>
+</p:sld>
+</file>
+
+<file path=ppt/slides/slide8.xml><?xml version="1.0" encoding="utf-8"?>
+<p:sld xmlns:a="http://schemas.openxmlformats.org/drawingml/2006/main" xmlns:r="http://schemas.openxmlformats.org/officeDocument/2006/relationships" xmlns:p="http://schemas.openxmlformats.org/presentationml/2006/main">
+  <p:cSld>
+    <p:spTree>
+      <p:nvGrpSpPr>
+        <p:cNvPr id="1" name=""/>
+        <p:cNvGrpSpPr/>
+        <p:nvPr/>
+      </p:nvGrpSpPr>
+      <p:grpSpPr>
+        <a:xfrm>
+          <a:off x="0" y="0"/>
+          <a:ext cx="0" cy="0"/>
+          <a:chOff x="0" y="0"/>
+          <a:chExt cx="0" cy="0"/>
+        </a:xfrm>
+      </p:grpSpPr>
+      <p:sp>
+        <p:nvSpPr>
+          <p:cNvPr id="2" name="Title 1"/>
+          <p:cNvSpPr>
+            <a:spLocks noGrp="1"/>
+          </p:cNvSpPr>
+          <p:nvPr>
+            <p:ph type="title"/>
+          </p:nvPr>
+        </p:nvSpPr>
+        <p:spPr/>
+        <p:txBody>
+          <a:bodyPr/>
+          <a:lstStyle/>
+          <a:p>
+            <a:pPr algn="l"/>
+            <a:r>
+              <a:rPr lang="en-US" dirty="0" smtClean="0">
+                <a:latin typeface="Times New Roman" panose="02020603050405020304" pitchFamily="18" charset="0"/>
+                <a:cs typeface="Times New Roman" panose="02020603050405020304" pitchFamily="18" charset="0"/>
+              </a:rPr>
+              <a:t>Dimension Tables and Fact tables</a:t>
+            </a:r>
+            <a:endParaRPr lang="en-IN" dirty="0">
+              <a:latin typeface="Times New Roman" panose="02020603050405020304" pitchFamily="18" charset="0"/>
+              <a:cs typeface="Times New Roman" panose="02020603050405020304" pitchFamily="18" charset="0"/>
+            </a:endParaRPr>
+          </a:p>
+        </p:txBody>
+      </p:sp>
+      <p:sp>
+        <p:nvSpPr>
+          <p:cNvPr id="3" name="Content Placeholder 2"/>
+          <p:cNvSpPr>
+            <a:spLocks noGrp="1"/>
+          </p:cNvSpPr>
+          <p:nvPr>
+            <p:ph idx="1"/>
+          </p:nvPr>
+        </p:nvSpPr>
+        <p:spPr/>
+        <p:txBody>
+          <a:bodyPr>
+            <a:normAutofit fontScale="92500" lnSpcReduction="20000"/>
+          </a:bodyPr>
+          <a:lstStyle/>
+          <a:p>
+            <a:r>
+              <a:rPr lang="en-US" sz="2600" dirty="0">
+                <a:latin typeface="Times New Roman" panose="02020603050405020304" pitchFamily="18" charset="0"/>
+                <a:ea typeface="Verdana" panose="020B0604030504040204" pitchFamily="34" charset="0"/>
+                <a:cs typeface="Times New Roman" panose="02020603050405020304" pitchFamily="18" charset="0"/>
+              </a:rPr>
+              <a:t>Two dimension tables</a:t>
+            </a:r>
+          </a:p>
+          <a:p>
+            <a:pPr marL="0" indent="0">
+              <a:buNone/>
+            </a:pPr>
+            <a:r>
+              <a:rPr lang="en-US" sz="2600" dirty="0">
+                <a:latin typeface="Times New Roman" panose="02020603050405020304" pitchFamily="18" charset="0"/>
+                <a:ea typeface="Verdana" panose="020B0604030504040204" pitchFamily="34" charset="0"/>
+                <a:cs typeface="Times New Roman" panose="02020603050405020304" pitchFamily="18" charset="0"/>
+              </a:rPr>
+              <a:t>    1.Player dimension</a:t>
+            </a:r>
+          </a:p>
+          <a:p>
+            <a:pPr marL="0" indent="0">
+              <a:buNone/>
+            </a:pPr>
+            <a:r>
+              <a:rPr lang="en-US" sz="2600" dirty="0">
+                <a:latin typeface="Times New Roman" panose="02020603050405020304" pitchFamily="18" charset="0"/>
+                <a:ea typeface="Verdana" panose="020B0604030504040204" pitchFamily="34" charset="0"/>
+                <a:cs typeface="Times New Roman" panose="02020603050405020304" pitchFamily="18" charset="0"/>
+              </a:rPr>
+              <a:t>    2.Country dimension</a:t>
+            </a:r>
+          </a:p>
+          <a:p>
+            <a:r>
+              <a:rPr lang="en-US" sz="2600" dirty="0">
+                <a:latin typeface="Times New Roman" panose="02020603050405020304" pitchFamily="18" charset="0"/>
+                <a:ea typeface="Verdana" panose="020B0604030504040204" pitchFamily="34" charset="0"/>
+                <a:cs typeface="Times New Roman" panose="02020603050405020304" pitchFamily="18" charset="0"/>
+              </a:rPr>
+              <a:t>Three Fact tables</a:t>
+            </a:r>
+          </a:p>
+          <a:p>
+            <a:pPr marL="0" indent="0">
+              <a:buNone/>
+            </a:pPr>
+            <a:r>
+              <a:rPr lang="en-US" sz="2600" dirty="0">
+                <a:latin typeface="Times New Roman" panose="02020603050405020304" pitchFamily="18" charset="0"/>
+                <a:ea typeface="Verdana" panose="020B0604030504040204" pitchFamily="34" charset="0"/>
+                <a:cs typeface="Times New Roman" panose="02020603050405020304" pitchFamily="18" charset="0"/>
+              </a:rPr>
+              <a:t>   1.ODI_fact</a:t>
+            </a:r>
+          </a:p>
+          <a:p>
+            <a:pPr marL="0" indent="0">
+              <a:buNone/>
+            </a:pPr>
+            <a:r>
+              <a:rPr lang="en-US" sz="2600" dirty="0">
+                <a:latin typeface="Times New Roman" panose="02020603050405020304" pitchFamily="18" charset="0"/>
+                <a:ea typeface="Verdana" panose="020B0604030504040204" pitchFamily="34" charset="0"/>
+                <a:cs typeface="Times New Roman" panose="02020603050405020304" pitchFamily="18" charset="0"/>
+              </a:rPr>
+              <a:t>   2.Test_fact</a:t>
+            </a:r>
+          </a:p>
+          <a:p>
+            <a:pPr marL="0" indent="0">
+              <a:buNone/>
+            </a:pPr>
+            <a:r>
+              <a:rPr lang="en-US" sz="2600" dirty="0">
+                <a:latin typeface="Times New Roman" panose="02020603050405020304" pitchFamily="18" charset="0"/>
+                <a:ea typeface="Verdana" panose="020B0604030504040204" pitchFamily="34" charset="0"/>
+                <a:cs typeface="Times New Roman" panose="02020603050405020304" pitchFamily="18" charset="0"/>
+              </a:rPr>
+              <a:t>   3.T20_fact</a:t>
+            </a:r>
+          </a:p>
+          <a:p>
+            <a:endParaRPr lang="en-IN" dirty="0"/>
+          </a:p>
+        </p:txBody>
+      </p:sp>
+    </p:spTree>
+    <p:extLst>
+      <p:ext uri="{BB962C8B-B14F-4D97-AF65-F5344CB8AC3E}">
+        <p14:creationId xmlns:p14="http://schemas.microsoft.com/office/powerpoint/2010/main" val="808189134"/>
+      </p:ext>
+    </p:extLst>
+  </p:cSld>
+  <p:clrMapOvr>
+    <a:masterClrMapping/>
+  </p:clrMapOvr>
+</p:sld>
+</file>
+
+<file path=ppt/slides/slide9.xml><?xml version="1.0" encoding="utf-8"?>
+<p:sld xmlns:a="http://schemas.openxmlformats.org/drawingml/2006/main" xmlns:r="http://schemas.openxmlformats.org/officeDocument/2006/relationships" xmlns:p="http://schemas.openxmlformats.org/presentationml/2006/main">
+  <p:cSld>
+    <p:spTree>
+      <p:nvGrpSpPr>
+        <p:cNvPr id="1" name=""/>
+        <p:cNvGrpSpPr/>
+        <p:nvPr/>
+      </p:nvGrpSpPr>
+      <p:grpSpPr>
+        <a:xfrm>
+          <a:off x="0" y="0"/>
+          <a:ext cx="0" cy="0"/>
+          <a:chOff x="0" y="0"/>
+          <a:chExt cx="0" cy="0"/>
+        </a:xfrm>
+      </p:grpSpPr>
+      <p:sp>
+        <p:nvSpPr>
+          <p:cNvPr id="2" name="Title 1"/>
+          <p:cNvSpPr>
+            <a:spLocks noGrp="1"/>
+          </p:cNvSpPr>
+          <p:nvPr>
+            <p:ph type="title"/>
+          </p:nvPr>
+        </p:nvSpPr>
+        <p:spPr>
+          <a:xfrm>
+            <a:off x="1384300" y="304799"/>
+            <a:ext cx="10753724" cy="673100"/>
+          </a:xfrm>
+        </p:spPr>
+        <p:txBody>
+          <a:bodyPr>
+            <a:normAutofit fontScale="90000"/>
+          </a:bodyPr>
+          <a:lstStyle/>
+          <a:p>
+            <a:pPr algn="l"/>
+            <a:r>
+              <a:rPr lang="en-US" dirty="0" smtClean="0">
+                <a:latin typeface="Times New Roman" panose="02020603050405020304" pitchFamily="18" charset="0"/>
+                <a:cs typeface="Times New Roman" panose="02020603050405020304" pitchFamily="18" charset="0"/>
+              </a:rPr>
+              <a:t>Mapping of Dimension </a:t>
+            </a:r>
+            <a:r>
+              <a:rPr lang="en-US" dirty="0" smtClean="0">
+                <a:latin typeface="Times New Roman" panose="02020603050405020304" pitchFamily="18" charset="0"/>
+                <a:cs typeface="Times New Roman" panose="02020603050405020304" pitchFamily="18" charset="0"/>
+              </a:rPr>
+              <a:t>Table</a:t>
+            </a:r>
+            <a:br>
+              <a:rPr lang="en-US" dirty="0" smtClean="0">
+                <a:latin typeface="Times New Roman" panose="02020603050405020304" pitchFamily="18" charset="0"/>
+                <a:cs typeface="Times New Roman" panose="02020603050405020304" pitchFamily="18" charset="0"/>
+              </a:rPr>
+            </a:br>
+            <a:endParaRPr lang="en-IN" sz="2400" dirty="0">
+              <a:latin typeface="Times New Roman" panose="02020603050405020304" pitchFamily="18" charset="0"/>
+              <a:cs typeface="Times New Roman" panose="02020603050405020304" pitchFamily="18" charset="0"/>
+            </a:endParaRPr>
+          </a:p>
+        </p:txBody>
+      </p:sp>
+      <p:pic>
+        <p:nvPicPr>
+          <p:cNvPr id="4" name="Content Placeholder 3"/>
+          <p:cNvPicPr>
+            <a:picLocks noGrp="1" noChangeAspect="1"/>
+          </p:cNvPicPr>
+          <p:nvPr>
+            <p:ph idx="1"/>
+          </p:nvPr>
+        </p:nvPicPr>
+        <p:blipFill>
+          <a:blip r:embed="rId2"/>
+          <a:stretch>
+            <a:fillRect/>
+          </a:stretch>
+        </p:blipFill>
+        <p:spPr>
+          <a:xfrm>
+            <a:off x="1295400" y="1562100"/>
+            <a:ext cx="9842500" cy="5295900"/>
+          </a:xfrm>
+          <a:prstGeom prst="rect">
+            <a:avLst/>
+          </a:prstGeom>
+        </p:spPr>
+      </p:pic>
+      <p:sp>
+        <p:nvSpPr>
+          <p:cNvPr id="3" name="TextBox 2"/>
+          <p:cNvSpPr txBox="1"/>
+          <p:nvPr/>
+        </p:nvSpPr>
+        <p:spPr>
+          <a:xfrm>
+            <a:off x="1384300" y="1039167"/>
+            <a:ext cx="5740400" cy="461665"/>
+          </a:xfrm>
+          <a:prstGeom prst="rect">
+            <a:avLst/>
+          </a:prstGeom>
+          <a:noFill/>
+        </p:spPr>
+        <p:txBody>
+          <a:bodyPr wrap="square" rtlCol="0">
+            <a:spAutoFit/>
+          </a:bodyPr>
+          <a:lstStyle/>
+          <a:p>
+            <a:r>
+              <a:rPr lang="en-US" sz="2400" dirty="0" smtClean="0">
+                <a:latin typeface="Times New Roman" panose="02020603050405020304" pitchFamily="18" charset="0"/>
+                <a:cs typeface="Times New Roman" panose="02020603050405020304" pitchFamily="18" charset="0"/>
+              </a:rPr>
+              <a:t>Player Dimension</a:t>
+            </a:r>
+            <a:endParaRPr lang="en-IN" sz="2400" dirty="0">
+              <a:latin typeface="Times New Roman" panose="02020603050405020304" pitchFamily="18" charset="0"/>
+              <a:cs typeface="Times New Roman" panose="02020603050405020304" pitchFamily="18" charset="0"/>
+            </a:endParaRPr>
+          </a:p>
+        </p:txBody>
+      </p:sp>
+    </p:spTree>
+    <p:extLst>
+      <p:ext uri="{BB962C8B-B14F-4D97-AF65-F5344CB8AC3E}">
+        <p14:creationId xmlns:p14="http://schemas.microsoft.com/office/powerpoint/2010/main" val="1689581220"/>
       </p:ext>
     </p:extLst>
   </p:cSld>
